--- a/Implementation and evaluation of four different Byzantine Reliable Broadcast protocols/DDS_Presentation.pptx
+++ b/Implementation and evaluation of four different Byzantine Reliable Broadcast protocols/DDS_Presentation.pptx
@@ -273,6 +273,14 @@
     </p:ext>
   </p:extLst>
 </p:presentation>
+</file>
+
+<file path=ppt/revisionInfo.xml><?xml version="1.0" encoding="utf-8"?>
+<p1510:revInfo xmlns:a="http://schemas.openxmlformats.org/drawingml/2006/main" xmlns:r="http://schemas.openxmlformats.org/officeDocument/2006/relationships" xmlns:p1510="http://schemas.microsoft.com/office/powerpoint/2015/10/main">
+  <p1510:revLst>
+    <p1510:client id="{50CF534A-03B4-46D2-9B63-7F9576CCD7E2}" v="527" dt="2023-06-07T16:05:45.302"/>
+  </p1510:revLst>
+</p1510:revInfo>
 </file>
 
 <file path=ppt/notesMasters/notesMaster1.xml><?xml version="1.0" encoding="utf-8"?>
@@ -2547,7 +2555,7 @@
             </a:pPr>
             <a:fld id="{00000000-1234-1234-1234-123412341234}" type="slidenum">
               <a:rPr lang="it"/>
-              <a:t>‹#›</a:t>
+              <a:t>‹N›</a:t>
             </a:fld>
             <a:endParaRPr/>
           </a:p>
@@ -2911,7 +2919,7 @@
             </a:pPr>
             <a:fld id="{00000000-1234-1234-1234-123412341234}" type="slidenum">
               <a:rPr lang="it"/>
-              <a:t>‹#›</a:t>
+              <a:t>‹N›</a:t>
             </a:fld>
             <a:endParaRPr/>
           </a:p>
@@ -3015,7 +3023,7 @@
             </a:pPr>
             <a:fld id="{00000000-1234-1234-1234-123412341234}" type="slidenum">
               <a:rPr lang="it"/>
-              <a:t>‹#›</a:t>
+              <a:t>‹N›</a:t>
             </a:fld>
             <a:endParaRPr/>
           </a:p>
@@ -3248,7 +3256,7 @@
             </a:pPr>
             <a:fld id="{00000000-1234-1234-1234-123412341234}" type="slidenum">
               <a:rPr lang="it"/>
-              <a:t>‹#›</a:t>
+              <a:t>‹N›</a:t>
             </a:fld>
             <a:endParaRPr/>
           </a:p>
@@ -3610,7 +3618,7 @@
             </a:pPr>
             <a:fld id="{00000000-1234-1234-1234-123412341234}" type="slidenum">
               <a:rPr lang="it"/>
-              <a:t>‹#›</a:t>
+              <a:t>‹N›</a:t>
             </a:fld>
             <a:endParaRPr/>
           </a:p>
@@ -4101,7 +4109,7 @@
             </a:pPr>
             <a:fld id="{00000000-1234-1234-1234-123412341234}" type="slidenum">
               <a:rPr lang="it"/>
-              <a:t>‹#›</a:t>
+              <a:t>‹N›</a:t>
             </a:fld>
             <a:endParaRPr/>
           </a:p>
@@ -4334,7 +4342,7 @@
             </a:pPr>
             <a:fld id="{00000000-1234-1234-1234-123412341234}" type="slidenum">
               <a:rPr lang="it"/>
-              <a:t>‹#›</a:t>
+              <a:t>‹N›</a:t>
             </a:fld>
             <a:endParaRPr/>
           </a:p>
@@ -4696,7 +4704,7 @@
             </a:pPr>
             <a:fld id="{00000000-1234-1234-1234-123412341234}" type="slidenum">
               <a:rPr lang="it"/>
-              <a:t>‹#›</a:t>
+              <a:t>‹N›</a:t>
             </a:fld>
             <a:endParaRPr/>
           </a:p>
@@ -4929,7 +4937,7 @@
             </a:pPr>
             <a:fld id="{00000000-1234-1234-1234-123412341234}" type="slidenum">
               <a:rPr lang="it"/>
-              <a:t>‹#›</a:t>
+              <a:t>‹N›</a:t>
             </a:fld>
             <a:endParaRPr/>
           </a:p>
@@ -5487,7 +5495,7 @@
             </a:pPr>
             <a:fld id="{00000000-1234-1234-1234-123412341234}" type="slidenum">
               <a:rPr lang="it"/>
-              <a:t>‹#›</a:t>
+              <a:t>‹N›</a:t>
             </a:fld>
             <a:endParaRPr/>
           </a:p>
@@ -5635,7 +5643,7 @@
             </a:pPr>
             <a:fld id="{00000000-1234-1234-1234-123412341234}" type="slidenum">
               <a:rPr lang="it"/>
-              <a:t>‹#›</a:t>
+              <a:t>‹N›</a:t>
             </a:fld>
             <a:endParaRPr/>
           </a:p>
@@ -6234,7 +6242,7 @@
             </a:pPr>
             <a:fld id="{00000000-1234-1234-1234-123412341234}" type="slidenum">
               <a:rPr lang="it"/>
-              <a:t>‹#›</a:t>
+              <a:t>‹N›</a:t>
             </a:fld>
             <a:endParaRPr/>
           </a:p>
@@ -8632,7 +8640,7 @@
         </p:spPr>
         <p:txBody>
           <a:bodyPr spcFirstLastPara="1" wrap="square" lIns="91425" tIns="91425" rIns="91425" bIns="91425" anchor="t" anchorCtr="0">
-            <a:normAutofit fontScale="92500" lnSpcReduction="20000"/>
+            <a:normAutofit/>
           </a:bodyPr>
           <a:lstStyle/>
           <a:p>
@@ -8660,17 +8668,9 @@
                 <a:solidFill>
                   <a:schemeClr val="tx1"/>
                 </a:solidFill>
-                <a:effectLst/>
               </a:rPr>
-              <a:t>- average elapsed time of the protocol;</a:t>
-            </a:r>
-          </a:p>
-          <a:p>
-            <a:pPr>
-              <a:lnSpc>
-                <a:spcPct val="100000"/>
-              </a:lnSpc>
-            </a:pPr>
+              <a:t>Average</a:t>
+            </a:r>
             <a:r>
               <a:rPr lang="en-US" dirty="0">
                 <a:solidFill>
@@ -8678,7 +8678,7 @@
                 </a:solidFill>
                 <a:effectLst/>
               </a:rPr>
-              <a:t>- average memory usage;</a:t>
+              <a:t> elapsed time of the protocol;</a:t>
             </a:r>
           </a:p>
           <a:p>
@@ -8687,6 +8687,14 @@
                 <a:spcPct val="100000"/>
               </a:lnSpc>
             </a:pPr>
+            <a:r>
+              <a:rPr lang="en-US" dirty="0">
+                <a:solidFill>
+                  <a:schemeClr val="tx1"/>
+                </a:solidFill>
+              </a:rPr>
+              <a:t>Average</a:t>
+            </a:r>
             <a:r>
               <a:rPr lang="en-US" dirty="0">
                 <a:solidFill>
@@ -8694,16 +8702,23 @@
                 </a:solidFill>
                 <a:effectLst/>
               </a:rPr>
-              <a:t>- average bandwidth. </a:t>
-            </a:r>
-          </a:p>
-          <a:p>
-            <a:pPr marL="114300" indent="0">
+              <a:t> memory usage;</a:t>
+            </a:r>
+          </a:p>
+          <a:p>
+            <a:pPr>
               <a:lnSpc>
                 <a:spcPct val="100000"/>
               </a:lnSpc>
-              <a:buNone/>
             </a:pPr>
+            <a:r>
+              <a:rPr lang="en-US" dirty="0">
+                <a:solidFill>
+                  <a:schemeClr val="tx1"/>
+                </a:solidFill>
+              </a:rPr>
+              <a:t>Average</a:t>
+            </a:r>
             <a:r>
               <a:rPr lang="en-US" dirty="0">
                 <a:solidFill>
@@ -8711,16 +8726,52 @@
                 </a:solidFill>
                 <a:effectLst/>
               </a:rPr>
-              <a:t>We modelled the network topology as a complete graph, so every process could communicate with every other process. The network topology is modelled as a star topology with a switch in the middle.</a:t>
-            </a:r>
-          </a:p>
-          <a:p>
-            <a:pPr marL="114300" indent="0">
+              <a:t> bandwidth.</a:t>
+            </a:r>
+            <a:r>
+              <a:rPr lang="en-US" dirty="0">
+                <a:solidFill>
+                  <a:schemeClr val="tx1"/>
+                </a:solidFill>
+              </a:rPr>
+              <a:t> </a:t>
+            </a:r>
+            <a:endParaRPr lang="en-US" dirty="0">
+              <a:solidFill>
+                <a:schemeClr val="tx1"/>
+              </a:solidFill>
+              <a:effectLst/>
+            </a:endParaRPr>
+          </a:p>
+          <a:p>
+            <a:pPr marL="400050" indent="-285750">
               <a:lnSpc>
                 <a:spcPct val="100000"/>
               </a:lnSpc>
-              <a:buNone/>
             </a:pPr>
+            <a:r>
+              <a:rPr lang="en-US" dirty="0">
+                <a:solidFill>
+                  <a:schemeClr val="tx1"/>
+                </a:solidFill>
+              </a:rPr>
+              <a:t>Star topology: N hosts connected to 1 switch</a:t>
+            </a:r>
+          </a:p>
+          <a:p>
+            <a:pPr marL="400050" indent="-285750">
+              <a:lnSpc>
+                <a:spcPct val="100000"/>
+              </a:lnSpc>
+            </a:pPr>
+            <a:r>
+              <a:rPr lang="en-US" dirty="0">
+                <a:solidFill>
+                  <a:schemeClr val="tx1"/>
+                </a:solidFill>
+              </a:rPr>
+              <a:t>Processes from 4</a:t>
+            </a:r>
             <a:r>
               <a:rPr lang="en-US" dirty="0">
                 <a:solidFill>
@@ -8728,13 +8779,46 @@
                 </a:solidFill>
                 <a:effectLst/>
               </a:rPr>
-              <a:t>In the simulation we varied the number of processes from 4 to 20, the number of message bytes to transmit from 256 bytes to 2048 bytes and the bandwidth from 500KBPS to 1GBPS.</a:t>
-            </a:r>
-          </a:p>
-          <a:p>
-            <a:pPr marL="114300" indent="0">
-              <a:buNone/>
+              <a:t> to </a:t>
+            </a:r>
+            <a:r>
+              <a:rPr lang="en-US" dirty="0">
+                <a:solidFill>
+                  <a:schemeClr val="tx1"/>
+                </a:solidFill>
+              </a:rPr>
+              <a:t>20</a:t>
+            </a:r>
+          </a:p>
+          <a:p>
+            <a:pPr marL="400050" indent="-285750">
+              <a:lnSpc>
+                <a:spcPct val="100000"/>
+              </a:lnSpc>
             </a:pPr>
+            <a:r>
+              <a:rPr lang="en-US" dirty="0">
+                <a:solidFill>
+                  <a:schemeClr val="tx1"/>
+                </a:solidFill>
+              </a:rPr>
+              <a:t>Payload from 256 to 2048</a:t>
+            </a:r>
+          </a:p>
+          <a:p>
+            <a:pPr marL="400050" indent="-285750">
+              <a:lnSpc>
+                <a:spcPct val="100000"/>
+              </a:lnSpc>
+            </a:pPr>
+            <a:r>
+              <a:rPr lang="en-US" dirty="0">
+                <a:solidFill>
+                  <a:schemeClr val="tx1"/>
+                </a:solidFill>
+              </a:rPr>
+              <a:t>Bandwidth</a:t>
+            </a:r>
             <a:r>
               <a:rPr lang="en-US" dirty="0">
                 <a:solidFill>
@@ -8742,9 +8826,9 @@
                 </a:solidFill>
                 <a:effectLst/>
               </a:rPr>
-              <a:t>The average time metric is computed through the median of the total time required for each protocol to deliver the message. The average peak metric is the total memory used by a single protocol.</a:t>
-            </a:r>
-            <a:endParaRPr dirty="0">
+              <a:t> from 500KBPS to 1GBPS.</a:t>
+            </a:r>
+            <a:endParaRPr>
               <a:solidFill>
                 <a:schemeClr val="tx1"/>
               </a:solidFill>
@@ -8789,8 +8873,8 @@
         </p:nvSpPr>
         <p:spPr>
           <a:xfrm>
-            <a:off x="311700" y="445025"/>
-            <a:ext cx="8520600" cy="572700"/>
+            <a:off x="111675" y="140225"/>
+            <a:ext cx="8549175" cy="401250"/>
           </a:xfrm>
           <a:prstGeom prst="rect">
             <a:avLst/>
@@ -8798,24 +8882,31 @@
         </p:spPr>
         <p:txBody>
           <a:bodyPr spcFirstLastPara="1" wrap="square" lIns="91425" tIns="91425" rIns="91425" bIns="91425" anchor="t" anchorCtr="0">
-            <a:normAutofit fontScale="90000"/>
+            <a:noAutofit/>
           </a:bodyPr>
           <a:lstStyle/>
           <a:p>
-            <a:pPr marL="0" lvl="0" indent="0" algn="l" rtl="0">
-              <a:spcBef>
-                <a:spcPts val="0"/>
-              </a:spcBef>
-              <a:spcAft>
-                <a:spcPts val="0"/>
-              </a:spcAft>
-              <a:buNone/>
-            </a:pPr>
-            <a:r>
-              <a:rPr lang="it" dirty="0"/>
-              <a:t>4. Simulation results</a:t>
-            </a:r>
-            <a:endParaRPr dirty="0"/>
+            <a:r>
+              <a:rPr lang="it" sz="2000" dirty="0"/>
+              <a:t>4. </a:t>
+            </a:r>
+            <a:r>
+              <a:rPr lang="it" sz="2000" err="1"/>
+              <a:t>Simulation</a:t>
+            </a:r>
+            <a:r>
+              <a:rPr lang="it" sz="2000" dirty="0"/>
+              <a:t> </a:t>
+            </a:r>
+            <a:r>
+              <a:rPr lang="it" sz="2000" err="1"/>
+              <a:t>results</a:t>
+            </a:r>
+            <a:r>
+              <a:rPr lang="it" sz="2000" dirty="0"/>
+              <a:t> (N = 20, payload = {256,512,1024,2048})</a:t>
+            </a:r>
+            <a:endParaRPr sz="2000" dirty="0"/>
           </a:p>
         </p:txBody>
       </p:sp>
@@ -8879,6 +8970,44 @@
           </a:prstGeom>
         </p:spPr>
       </p:pic>
+      <p:sp>
+        <p:nvSpPr>
+          <p:cNvPr id="2" name="CasellaDiTesto 1">
+            <a:extLst>
+              <a:ext uri="{FF2B5EF4-FFF2-40B4-BE49-F238E27FC236}">
+                <a16:creationId xmlns:a16="http://schemas.microsoft.com/office/drawing/2014/main" id="{07BD2DF7-8C05-F4A1-BF6F-583051AF1E16}"/>
+              </a:ext>
+            </a:extLst>
+          </p:cNvPr>
+          <p:cNvSpPr txBox="1"/>
+          <p:nvPr/>
+        </p:nvSpPr>
+        <p:spPr>
+          <a:xfrm>
+            <a:off x="5028604" y="810369"/>
+            <a:ext cx="1415355" cy="307777"/>
+          </a:xfrm>
+          <a:prstGeom prst="rect">
+            <a:avLst/>
+          </a:prstGeom>
+          <a:noFill/>
+        </p:spPr>
+        <p:txBody>
+          <a:bodyPr rot="0" spcFirstLastPara="0" vertOverflow="overflow" horzOverflow="overflow" vert="horz" wrap="square" lIns="91440" tIns="45720" rIns="91440" bIns="45720" numCol="1" spcCol="0" rtlCol="0" fromWordArt="0" anchor="t" anchorCtr="0" forceAA="0" compatLnSpc="1">
+            <a:prstTxWarp prst="textNoShape">
+              <a:avLst/>
+            </a:prstTxWarp>
+            <a:spAutoFit/>
+          </a:bodyPr>
+          <a:lstStyle/>
+          <a:p>
+            <a:r>
+              <a:rPr lang="it-IT" dirty="0"/>
+              <a:t>BW= 2MBPS</a:t>
+            </a:r>
+          </a:p>
+        </p:txBody>
+      </p:sp>
     </p:spTree>
   </p:cSld>
   <p:clrMapOvr>
@@ -9352,227 +9481,80 @@
         </p:spPr>
         <p:txBody>
           <a:bodyPr spcFirstLastPara="1" wrap="square" lIns="91425" tIns="91425" rIns="91425" bIns="91425" anchor="t" anchorCtr="0">
-            <a:normAutofit fontScale="62500" lnSpcReduction="20000"/>
+            <a:normAutofit/>
           </a:bodyPr>
           <a:lstStyle/>
           <a:p>
-            <a:pPr marL="114300" indent="0">
-              <a:buNone/>
-            </a:pPr>
+            <a:pPr marL="400050" indent="-285750"/>
             <a:r>
               <a:rPr lang="en-US" dirty="0">
                 <a:solidFill>
                   <a:schemeClr val="tx1"/>
                 </a:solidFill>
-                <a:effectLst/>
               </a:rPr>
-              <a:t>In the average case, HB is the best protocol thanks to the hashing function that reduces all messages to a fixed length. If the number of processes, the bandwidth and the payload of each message (and consequently, the data exchanged between processes) are limited, the BRACHA protocol is the most efficient one.</a:t>
-            </a:r>
-          </a:p>
-          <a:p>
-            <a:pPr marL="114300" indent="0">
+              <a:t>HB better than EC but we expect that with a lot of processes EC is better</a:t>
+            </a:r>
+          </a:p>
+          <a:p>
+            <a:pPr marL="400050" indent="-285750">
               <a:lnSpc>
-                <a:spcPct val="100000"/>
+                <a:spcPct val="114999"/>
               </a:lnSpc>
-              <a:buNone/>
             </a:pPr>
             <a:r>
               <a:rPr lang="en-US" dirty="0">
                 <a:solidFill>
                   <a:schemeClr val="tx1"/>
                 </a:solidFill>
-                <a:effectLst/>
               </a:rPr>
-              <a:t>When there is an high number of faulty processes (it does not matter if they are byzantine or just faulty) or there are no constraints on the bandwidth, the EC protocol is the one that obtains the best performances (although, in the case of unlimited bandwidth, the difference with HB is not so relevant).</a:t>
-            </a:r>
-          </a:p>
-          <a:p>
-            <a:pPr marL="114300" indent="0">
+              <a:t>Bracha can be used with high bandwidth and small payloads</a:t>
+            </a:r>
+            <a:endParaRPr lang="en-US">
+              <a:solidFill>
+                <a:schemeClr val="tx1"/>
+              </a:solidFill>
+            </a:endParaRPr>
+          </a:p>
+          <a:p>
+            <a:pPr marL="400050" indent="-285750">
               <a:lnSpc>
-                <a:spcPct val="100000"/>
+                <a:spcPct val="114999"/>
               </a:lnSpc>
-              <a:buNone/>
             </a:pPr>
             <a:r>
               <a:rPr lang="en-US" dirty="0">
                 <a:solidFill>
                   <a:schemeClr val="tx1"/>
                 </a:solidFill>
-                <a:effectLst/>
               </a:rPr>
-              <a:t>Because of the cryptographic primitives used by the protocol, AM is not comparable with respect to the other protocols in terms of all the metrics defined in the evaluation. </a:t>
-            </a:r>
-          </a:p>
-          <a:p>
-            <a:pPr marL="114300" indent="0">
+              <a:t>AM is not comparable due to the usage of cryptographic primitives and latency for the KDS</a:t>
+            </a:r>
+            <a:endParaRPr lang="en-US">
+              <a:solidFill>
+                <a:schemeClr val="tx1"/>
+              </a:solidFill>
+            </a:endParaRPr>
+          </a:p>
+          <a:p>
+            <a:pPr marL="400050" indent="-285750">
               <a:lnSpc>
-                <a:spcPct val="100000"/>
+                <a:spcPct val="114999"/>
               </a:lnSpc>
-              <a:buNone/>
             </a:pPr>
             <a:r>
               <a:rPr lang="en-US" dirty="0">
                 <a:solidFill>
                   <a:schemeClr val="tx1"/>
                 </a:solidFill>
-                <a:effectLst/>
               </a:rPr>
-              <a:t>If for any reason an application needs the non repudiation requirement as a principal goal, the AM protocol meets the needs perfectly and it is the preferred one to use among all the four protocols evaluated.</a:t>
+              <a:t>Our analysis is only for N = 20, with more processes results can change</a:t>
             </a:r>
           </a:p>
           <a:p>
             <a:pPr marL="114300" indent="0">
-              <a:lnSpc>
-                <a:spcPct val="100000"/>
-              </a:lnSpc>
               <a:buNone/>
             </a:pPr>
-            <a:r>
-              <a:rPr lang="en-US" dirty="0">
-                <a:solidFill>
-                  <a:schemeClr val="tx1"/>
-                </a:solidFill>
-                <a:effectLst/>
-              </a:rPr>
-              <a:t>Furthermore the implementation of the protocol is easier for the restricted number of protocol messages issued and it is also much more understandable in terms of the specification description. </a:t>
-            </a:r>
-          </a:p>
-          <a:p>
-            <a:pPr marL="114300" indent="0">
-              <a:lnSpc>
-                <a:spcPct val="100000"/>
-              </a:lnSpc>
-              <a:buNone/>
-            </a:pPr>
-            <a:r>
-              <a:rPr lang="en-US" dirty="0">
-                <a:solidFill>
-                  <a:schemeClr val="tx1"/>
-                </a:solidFill>
-                <a:effectLst/>
-              </a:rPr>
-              <a:t>The overall number of messages exchanged by the protocol is less than other protocols.</a:t>
-            </a:r>
-          </a:p>
-          <a:p>
-            <a:pPr marL="114300" indent="0">
-              <a:lnSpc>
-                <a:spcPct val="100000"/>
-              </a:lnSpc>
-              <a:buNone/>
-            </a:pPr>
-            <a:r>
-              <a:rPr lang="en-US" dirty="0">
-                <a:solidFill>
-                  <a:schemeClr val="tx1"/>
-                </a:solidFill>
-                <a:effectLst/>
-              </a:rPr>
-              <a:t>The elapsed time of the protocol is bounded to the last phase of the algorithm where there is an high number of steps for the verification of the n-f messages received; furthermore, the protocol uses a third entity (KDS) to distribute the keys needed for the cryptographic primitives that leads to higher delays.</a:t>
-            </a:r>
-          </a:p>
-          <a:p>
-            <a:pPr marL="114300" indent="0">
-              <a:lnSpc>
-                <a:spcPct val="100000"/>
-              </a:lnSpc>
-              <a:buNone/>
-            </a:pPr>
-            <a:r>
-              <a:rPr lang="en-US" dirty="0">
-                <a:solidFill>
-                  <a:schemeClr val="tx1"/>
-                </a:solidFill>
-                <a:effectLst/>
-              </a:rPr>
-              <a:t>Because of the reasons stated above, the following evaluation is centered on the remaining three protocols.</a:t>
-            </a:r>
-          </a:p>
-          <a:p>
-            <a:pPr marL="114300" indent="0">
-              <a:lnSpc>
-                <a:spcPct val="100000"/>
-              </a:lnSpc>
-              <a:buNone/>
-            </a:pPr>
-            <a:r>
-              <a:rPr lang="en-US" dirty="0">
-                <a:solidFill>
-                  <a:schemeClr val="tx1"/>
-                </a:solidFill>
-                <a:effectLst/>
-              </a:rPr>
-              <a:t>Protocols that send all the payload are better </a:t>
-            </a:r>
-            <a:r>
-              <a:rPr lang="en-US" dirty="0" err="1">
-                <a:solidFill>
-                  <a:schemeClr val="tx1"/>
-                </a:solidFill>
-                <a:effectLst/>
-              </a:rPr>
-              <a:t>wrt</a:t>
-            </a:r>
-            <a:r>
-              <a:rPr lang="en-US" dirty="0">
-                <a:solidFill>
-                  <a:schemeClr val="tx1"/>
-                </a:solidFill>
-                <a:effectLst/>
-              </a:rPr>
-              <a:t> the others if the payload size is small; when the payload increases, the Erasure-Code and Hash-Based protocols are better than the </a:t>
-            </a:r>
-            <a:r>
-              <a:rPr lang="en-US" dirty="0" err="1">
-                <a:solidFill>
-                  <a:schemeClr val="tx1"/>
-                </a:solidFill>
-                <a:effectLst/>
-              </a:rPr>
-              <a:t>Bracha</a:t>
-            </a:r>
-            <a:r>
-              <a:rPr lang="en-US" dirty="0">
-                <a:solidFill>
-                  <a:schemeClr val="tx1"/>
-                </a:solidFill>
-                <a:effectLst/>
-              </a:rPr>
-              <a:t> one because they send a smaller packet. The erasure code protocol sends the shares of the message and although they are smaller than the message they are longer than the hash; so hash based is the best among the four protocols. Furthermore </a:t>
-            </a:r>
-            <a:r>
-              <a:rPr lang="en-US" dirty="0" err="1">
-                <a:solidFill>
-                  <a:schemeClr val="tx1"/>
-                </a:solidFill>
-                <a:effectLst/>
-              </a:rPr>
-              <a:t>Bracha</a:t>
-            </a:r>
-            <a:r>
-              <a:rPr lang="en-US" dirty="0">
-                <a:solidFill>
-                  <a:schemeClr val="tx1"/>
-                </a:solidFill>
-                <a:effectLst/>
-              </a:rPr>
-              <a:t> has a simpler implementation and the overall number of messages exchanged is smaller than the other protocols.</a:t>
-            </a:r>
-          </a:p>
-          <a:p>
-            <a:pPr marL="114300" indent="0">
-              <a:buNone/>
-            </a:pPr>
-            <a:r>
-              <a:rPr lang="en-US" dirty="0">
-                <a:solidFill>
-                  <a:schemeClr val="tx1"/>
-                </a:solidFill>
-                <a:effectLst/>
-              </a:rPr>
-              <a:t>Hash-Based remains the best because of the crypto hashing function that bounds the length of the payload to a fixed length, independently from the message size.</a:t>
-            </a:r>
-            <a:endParaRPr dirty="0">
+            <a:endParaRPr lang="en-US" dirty="0">
               <a:solidFill>
                 <a:schemeClr val="tx1"/>
               </a:solidFill>
@@ -10887,6 +10869,20 @@
           </a:bodyPr>
           <a:lstStyle/>
           <a:p>
+            <a:pPr marL="0" indent="0">
+              <a:buClr>
+                <a:schemeClr val="dk1"/>
+              </a:buClr>
+              <a:buSzPts val="1100"/>
+              <a:buNone/>
+            </a:pPr>
+            <a:endParaRPr lang="it" sz="1300" dirty="0">
+              <a:solidFill>
+                <a:schemeClr val="dk1"/>
+              </a:solidFill>
+            </a:endParaRPr>
+          </a:p>
+          <a:p>
             <a:pPr marL="171450" indent="-171450">
               <a:buClr>
                 <a:schemeClr val="dk1"/>
@@ -10899,13 +10895,96 @@
                   <a:schemeClr val="dk1"/>
                 </a:solidFill>
               </a:rPr>
-              <a:t>The server(s) address(es) is(are) known to every process in the network</a:t>
+              <a:t>Every process knows the ID of the broadcaster that is settled to one in our implementation;</a:t>
             </a:r>
             <a:endParaRPr sz="1300" dirty="0">
               <a:solidFill>
                 <a:schemeClr val="dk1"/>
               </a:solidFill>
             </a:endParaRPr>
+          </a:p>
+          <a:p>
+            <a:pPr marL="171450" indent="-171450">
+              <a:lnSpc>
+                <a:spcPct val="114999"/>
+              </a:lnSpc>
+              <a:buClr>
+                <a:schemeClr val="dk1"/>
+              </a:buClr>
+              <a:buSzPts val="1100"/>
+            </a:pPr>
+            <a:r>
+              <a:rPr lang="it" sz="1300" dirty="0">
+                <a:solidFill>
+                  <a:schemeClr val="dk1"/>
+                </a:solidFill>
+              </a:rPr>
+              <a:t>The keys </a:t>
+            </a:r>
+            <a:r>
+              <a:rPr lang="it" sz="1300" dirty="0" err="1">
+                <a:solidFill>
+                  <a:schemeClr val="dk1"/>
+                </a:solidFill>
+              </a:rPr>
+              <a:t>used</a:t>
+            </a:r>
+            <a:r>
+              <a:rPr lang="it" sz="1300" dirty="0">
+                <a:solidFill>
+                  <a:schemeClr val="dk1"/>
+                </a:solidFill>
+              </a:rPr>
+              <a:t> for </a:t>
+            </a:r>
+            <a:r>
+              <a:rPr lang="it" sz="1300" dirty="0" err="1">
+                <a:solidFill>
+                  <a:schemeClr val="dk1"/>
+                </a:solidFill>
+              </a:rPr>
+              <a:t>authenticated</a:t>
+            </a:r>
+            <a:r>
+              <a:rPr lang="it" sz="1300" dirty="0">
+                <a:solidFill>
+                  <a:schemeClr val="dk1"/>
+                </a:solidFill>
+              </a:rPr>
+              <a:t> link are </a:t>
+            </a:r>
+            <a:r>
+              <a:rPr lang="it" sz="1300" dirty="0" err="1">
+                <a:solidFill>
+                  <a:schemeClr val="dk1"/>
+                </a:solidFill>
+              </a:rPr>
+              <a:t>read</a:t>
+            </a:r>
+            <a:r>
+              <a:rPr lang="it" sz="1300" dirty="0">
+                <a:solidFill>
+                  <a:schemeClr val="dk1"/>
+                </a:solidFill>
+              </a:rPr>
+              <a:t> from file </a:t>
+            </a:r>
+            <a:r>
+              <a:rPr lang="it" sz="1300" dirty="0" err="1">
+                <a:solidFill>
+                  <a:schemeClr val="dk1"/>
+                </a:solidFill>
+              </a:rPr>
+              <a:t>created</a:t>
+            </a:r>
+            <a:r>
+              <a:rPr lang="it" sz="1300" dirty="0">
+                <a:solidFill>
+                  <a:schemeClr val="dk1"/>
+                </a:solidFill>
+              </a:rPr>
+              <a:t> with utils.py</a:t>
+            </a:r>
           </a:p>
           <a:p>
             <a:pPr marL="171450" indent="-171450">
@@ -10920,7 +10999,7 @@
                   <a:schemeClr val="dk1"/>
                 </a:solidFill>
               </a:rPr>
-              <a:t>Every process knows the ID of the broadcaster that is settled to one in our implementation;</a:t>
+              <a:t>The broadcaster brodacasts the message only to processes that it knew about before the broadcast primitive, so subsequent receivers, that connect to the service afterwards, will not receive it;</a:t>
             </a:r>
             <a:endParaRPr sz="1300" dirty="0">
               <a:solidFill>
@@ -10941,7 +11020,55 @@
                   <a:schemeClr val="dk1"/>
                 </a:solidFill>
               </a:rPr>
-              <a:t>The broadcaster brodacasts the message only to processes that it knew about before the broadcast primitive, so subsequent receivers, that connect to the service afterwards, will not receive it;</a:t>
+              <a:t>The network </a:t>
+            </a:r>
+            <a:r>
+              <a:rPr lang="it" sz="1300" dirty="0" err="1">
+                <a:solidFill>
+                  <a:schemeClr val="dk1"/>
+                </a:solidFill>
+              </a:rPr>
+              <a:t>is</a:t>
+            </a:r>
+            <a:r>
+              <a:rPr lang="it" sz="1300" dirty="0">
+                <a:solidFill>
+                  <a:schemeClr val="dk1"/>
+                </a:solidFill>
+              </a:rPr>
+              <a:t> </a:t>
+            </a:r>
+            <a:r>
+              <a:rPr lang="it" sz="1300" dirty="0" err="1">
+                <a:solidFill>
+                  <a:schemeClr val="dk1"/>
+                </a:solidFill>
+              </a:rPr>
+              <a:t>fully</a:t>
+            </a:r>
+            <a:r>
+              <a:rPr lang="it" sz="1300" dirty="0">
+                <a:solidFill>
+                  <a:schemeClr val="dk1"/>
+                </a:solidFill>
+              </a:rPr>
+              <a:t> </a:t>
+            </a:r>
+            <a:r>
+              <a:rPr lang="it" sz="1300" dirty="0" err="1">
+                <a:solidFill>
+                  <a:schemeClr val="dk1"/>
+                </a:solidFill>
+              </a:rPr>
+              <a:t>connected</a:t>
+            </a:r>
+            <a:r>
+              <a:rPr lang="it" sz="1300" dirty="0">
+                <a:solidFill>
+                  <a:schemeClr val="dk1"/>
+                </a:solidFill>
+              </a:rPr>
+              <a:t>;</a:t>
             </a:r>
             <a:endParaRPr sz="1300" dirty="0">
               <a:solidFill>
@@ -10962,7 +11089,364 @@
                   <a:schemeClr val="dk1"/>
                 </a:solidFill>
               </a:rPr>
-              <a:t>The network is fully connected;</a:t>
+              <a:t>The message is considered delivered when the "- - - - -Message Delivered - - - - -" string is prompted in the terminal;</a:t>
+            </a:r>
+            <a:endParaRPr sz="1300" dirty="0">
+              <a:solidFill>
+                <a:schemeClr val="dk1"/>
+              </a:solidFill>
+            </a:endParaRPr>
+          </a:p>
+          <a:p>
+            <a:pPr>
+              <a:buClr>
+                <a:srgbClr val="000000"/>
+              </a:buClr>
+              <a:buSzPts val="1100"/>
+            </a:pPr>
+            <a:r>
+              <a:rPr lang="it" sz="1300" dirty="0">
+                <a:solidFill>
+                  <a:schemeClr val="dk1"/>
+                </a:solidFill>
+              </a:rPr>
+              <a:t>A </a:t>
+            </a:r>
+            <a:r>
+              <a:rPr lang="it" sz="1300" dirty="0" err="1">
+                <a:solidFill>
+                  <a:schemeClr val="dk1"/>
+                </a:solidFill>
+              </a:rPr>
+              <a:t>faulty</a:t>
+            </a:r>
+            <a:r>
+              <a:rPr lang="it" sz="1300" dirty="0">
+                <a:solidFill>
+                  <a:schemeClr val="dk1"/>
+                </a:solidFill>
+              </a:rPr>
+              <a:t> </a:t>
+            </a:r>
+            <a:r>
+              <a:rPr lang="it" sz="1300" dirty="0" err="1">
+                <a:solidFill>
+                  <a:schemeClr val="dk1"/>
+                </a:solidFill>
+              </a:rPr>
+              <a:t>process</a:t>
+            </a:r>
+            <a:r>
+              <a:rPr lang="it" sz="1300" dirty="0">
+                <a:solidFill>
+                  <a:schemeClr val="dk1"/>
+                </a:solidFill>
+              </a:rPr>
+              <a:t> </a:t>
+            </a:r>
+            <a:r>
+              <a:rPr lang="it" sz="1300" dirty="0" err="1">
+                <a:solidFill>
+                  <a:schemeClr val="dk1"/>
+                </a:solidFill>
+              </a:rPr>
+              <a:t>is</a:t>
+            </a:r>
+            <a:r>
+              <a:rPr lang="it" sz="1300" dirty="0">
+                <a:solidFill>
+                  <a:schemeClr val="dk1"/>
+                </a:solidFill>
+              </a:rPr>
+              <a:t> a </a:t>
+            </a:r>
+            <a:r>
+              <a:rPr lang="it" sz="1300" dirty="0" err="1">
+                <a:solidFill>
+                  <a:schemeClr val="dk1"/>
+                </a:solidFill>
+              </a:rPr>
+              <a:t>process</a:t>
+            </a:r>
+            <a:r>
+              <a:rPr lang="it" sz="1300" dirty="0">
+                <a:solidFill>
+                  <a:schemeClr val="dk1"/>
+                </a:solidFill>
+              </a:rPr>
+              <a:t> </a:t>
+            </a:r>
+            <a:r>
+              <a:rPr lang="it" sz="1300" dirty="0" err="1">
+                <a:solidFill>
+                  <a:schemeClr val="dk1"/>
+                </a:solidFill>
+              </a:rPr>
+              <a:t>that</a:t>
+            </a:r>
+            <a:r>
+              <a:rPr lang="it" sz="1300" dirty="0">
+                <a:solidFill>
+                  <a:schemeClr val="dk1"/>
+                </a:solidFill>
+              </a:rPr>
+              <a:t> </a:t>
+            </a:r>
+            <a:r>
+              <a:rPr lang="it" sz="1300" dirty="0" err="1">
+                <a:solidFill>
+                  <a:schemeClr val="dk1"/>
+                </a:solidFill>
+              </a:rPr>
+              <a:t>discards</a:t>
+            </a:r>
+            <a:r>
+              <a:rPr lang="it" sz="1300" dirty="0">
+                <a:solidFill>
+                  <a:schemeClr val="dk1"/>
+                </a:solidFill>
+              </a:rPr>
+              <a:t> </a:t>
+            </a:r>
+            <a:r>
+              <a:rPr lang="it" sz="1300" dirty="0" err="1">
+                <a:solidFill>
+                  <a:schemeClr val="dk1"/>
+                </a:solidFill>
+              </a:rPr>
+              <a:t>every</a:t>
+            </a:r>
+            <a:r>
+              <a:rPr lang="it" sz="1300" dirty="0">
+                <a:solidFill>
+                  <a:schemeClr val="dk1"/>
+                </a:solidFill>
+              </a:rPr>
+              <a:t> </a:t>
+            </a:r>
+            <a:r>
+              <a:rPr lang="it" sz="1300" dirty="0" err="1">
+                <a:solidFill>
+                  <a:schemeClr val="dk1"/>
+                </a:solidFill>
+              </a:rPr>
+              <a:t>message</a:t>
+            </a:r>
+            <a:r>
+              <a:rPr lang="it" sz="1300" dirty="0">
+                <a:solidFill>
+                  <a:schemeClr val="dk1"/>
+                </a:solidFill>
+              </a:rPr>
+              <a:t> </a:t>
+            </a:r>
+            <a:r>
+              <a:rPr lang="it" sz="1300" dirty="0" err="1">
+                <a:solidFill>
+                  <a:schemeClr val="dk1"/>
+                </a:solidFill>
+              </a:rPr>
+              <a:t>that</a:t>
+            </a:r>
+            <a:r>
+              <a:rPr lang="it" sz="1300" dirty="0">
+                <a:solidFill>
+                  <a:schemeClr val="dk1"/>
+                </a:solidFill>
+              </a:rPr>
+              <a:t> </a:t>
+            </a:r>
+            <a:r>
+              <a:rPr lang="it" sz="1300" dirty="0" err="1">
+                <a:solidFill>
+                  <a:schemeClr val="dk1"/>
+                </a:solidFill>
+              </a:rPr>
+              <a:t>it</a:t>
+            </a:r>
+            <a:r>
+              <a:rPr lang="it" sz="1300" dirty="0">
+                <a:solidFill>
+                  <a:schemeClr val="dk1"/>
+                </a:solidFill>
+              </a:rPr>
+              <a:t> </a:t>
+            </a:r>
+            <a:r>
+              <a:rPr lang="it" sz="1300" dirty="0" err="1">
+                <a:solidFill>
+                  <a:schemeClr val="dk1"/>
+                </a:solidFill>
+              </a:rPr>
+              <a:t>receives</a:t>
+            </a:r>
+            <a:r>
+              <a:rPr lang="it" sz="1300" dirty="0">
+                <a:solidFill>
+                  <a:schemeClr val="dk1"/>
+                </a:solidFill>
+              </a:rPr>
+              <a:t> after the time </a:t>
+            </a:r>
+            <a:r>
+              <a:rPr lang="it" sz="1300" dirty="0" err="1">
+                <a:solidFill>
+                  <a:schemeClr val="dk1"/>
+                </a:solidFill>
+              </a:rPr>
+              <a:t>it</a:t>
+            </a:r>
+            <a:r>
+              <a:rPr lang="it" sz="1300" dirty="0">
+                <a:solidFill>
+                  <a:schemeClr val="dk1"/>
+                </a:solidFill>
+              </a:rPr>
+              <a:t> </a:t>
+            </a:r>
+            <a:r>
+              <a:rPr lang="it" sz="1300" dirty="0" err="1">
+                <a:solidFill>
+                  <a:schemeClr val="dk1"/>
+                </a:solidFill>
+              </a:rPr>
+              <a:t>fails</a:t>
+            </a:r>
+            <a:r>
+              <a:rPr lang="it" sz="1300" dirty="0">
+                <a:solidFill>
+                  <a:schemeClr val="dk1"/>
+                </a:solidFill>
+              </a:rPr>
+              <a:t> or </a:t>
+            </a:r>
+            <a:r>
+              <a:rPr lang="it" sz="1300" dirty="0" err="1">
+                <a:solidFill>
+                  <a:schemeClr val="dk1"/>
+                </a:solidFill>
+              </a:rPr>
+              <a:t>it</a:t>
+            </a:r>
+            <a:r>
+              <a:rPr lang="it" sz="1300" dirty="0">
+                <a:solidFill>
+                  <a:schemeClr val="dk1"/>
+                </a:solidFill>
+              </a:rPr>
+              <a:t> </a:t>
+            </a:r>
+            <a:r>
+              <a:rPr lang="it" sz="1300" dirty="0" err="1">
+                <a:solidFill>
+                  <a:schemeClr val="dk1"/>
+                </a:solidFill>
+              </a:rPr>
+              <a:t>sends</a:t>
+            </a:r>
+            <a:r>
+              <a:rPr lang="it" sz="1300" dirty="0">
+                <a:solidFill>
+                  <a:schemeClr val="dk1"/>
+                </a:solidFill>
+              </a:rPr>
+              <a:t> a </a:t>
+            </a:r>
+            <a:r>
+              <a:rPr lang="it" sz="1300" dirty="0" err="1">
+                <a:solidFill>
+                  <a:schemeClr val="dk1"/>
+                </a:solidFill>
+              </a:rPr>
+              <a:t>forged</a:t>
+            </a:r>
+            <a:r>
+              <a:rPr lang="it" sz="1300" dirty="0">
+                <a:solidFill>
+                  <a:schemeClr val="dk1"/>
+                </a:solidFill>
+              </a:rPr>
+              <a:t> </a:t>
+            </a:r>
+            <a:r>
+              <a:rPr lang="it" sz="1300" dirty="0" err="1">
+                <a:solidFill>
+                  <a:schemeClr val="dk1"/>
+                </a:solidFill>
+              </a:rPr>
+              <a:t>message</a:t>
+            </a:r>
+            <a:r>
+              <a:rPr lang="it" sz="1300" dirty="0">
+                <a:solidFill>
+                  <a:schemeClr val="dk1"/>
+                </a:solidFill>
+              </a:rPr>
+              <a:t> </a:t>
+            </a:r>
+            <a:r>
+              <a:rPr lang="it" sz="1300" dirty="0" err="1">
+                <a:solidFill>
+                  <a:schemeClr val="dk1"/>
+                </a:solidFill>
+              </a:rPr>
+              <a:t>when</a:t>
+            </a:r>
+            <a:r>
+              <a:rPr lang="it" sz="1300" dirty="0">
+                <a:solidFill>
+                  <a:schemeClr val="dk1"/>
+                </a:solidFill>
+              </a:rPr>
+              <a:t> the </a:t>
+            </a:r>
+            <a:r>
+              <a:rPr lang="it" sz="1300" dirty="0" err="1">
+                <a:solidFill>
+                  <a:schemeClr val="dk1"/>
+                </a:solidFill>
+              </a:rPr>
+              <a:t>algorithm</a:t>
+            </a:r>
+            <a:r>
+              <a:rPr lang="it" sz="1300" dirty="0">
+                <a:solidFill>
+                  <a:schemeClr val="dk1"/>
+                </a:solidFill>
+              </a:rPr>
+              <a:t> </a:t>
+            </a:r>
+            <a:r>
+              <a:rPr lang="it" sz="1300" dirty="0" err="1">
+                <a:solidFill>
+                  <a:schemeClr val="dk1"/>
+                </a:solidFill>
+              </a:rPr>
+              <a:t>requires</a:t>
+            </a:r>
+            <a:r>
+              <a:rPr lang="it" sz="1300" dirty="0">
+                <a:solidFill>
+                  <a:schemeClr val="dk1"/>
+                </a:solidFill>
+              </a:rPr>
+              <a:t> </a:t>
+            </a:r>
+            <a:r>
+              <a:rPr lang="it" sz="1300" dirty="0" err="1">
+                <a:solidFill>
+                  <a:schemeClr val="dk1"/>
+                </a:solidFill>
+              </a:rPr>
+              <a:t>it</a:t>
+            </a:r>
+            <a:r>
+              <a:rPr lang="it" sz="1300" dirty="0">
+                <a:solidFill>
+                  <a:schemeClr val="dk1"/>
+                </a:solidFill>
+              </a:rPr>
+              <a:t>;</a:t>
             </a:r>
             <a:endParaRPr sz="1300" dirty="0">
               <a:solidFill>
@@ -10978,165 +11462,44 @@
               <a:buSzPts val="1100"/>
             </a:pPr>
             <a:r>
-              <a:rPr lang="it-IT" sz="1300" dirty="0">
-                <a:solidFill>
-                  <a:schemeClr val="dk1"/>
-                </a:solidFill>
-              </a:rPr>
-              <a:t>I</a:t>
-            </a:r>
-            <a:r>
               <a:rPr lang="it" sz="1300" dirty="0">
                 <a:solidFill>
                   <a:schemeClr val="dk1"/>
                 </a:solidFill>
               </a:rPr>
-              <a:t>n the Bracha code Algorhtm, every array that contains messages of a specific type is checked according to an interval of time (e.g every .001 s);</a:t>
-            </a:r>
-            <a:endParaRPr sz="1300" dirty="0">
-              <a:solidFill>
-                <a:schemeClr val="dk1"/>
-              </a:solidFill>
-            </a:endParaRPr>
-          </a:p>
-          <a:p>
-            <a:pPr marL="171450" indent="-171450">
-              <a:buClr>
-                <a:schemeClr val="dk1"/>
-              </a:buClr>
-              <a:buSzPts val="1100"/>
-            </a:pPr>
+              <a:t>Erasure Code algorithm considers the "source" field of a message instead of the "from" message field for finality and </a:t>
+            </a:r>
+            <a:r>
+              <a:rPr lang="it" sz="1300" dirty="0" err="1">
+                <a:solidFill>
+                  <a:schemeClr val="dk1"/>
+                </a:solidFill>
+              </a:rPr>
+              <a:t>soundness</a:t>
+            </a:r>
             <a:r>
               <a:rPr lang="it" sz="1300" dirty="0">
                 <a:solidFill>
                   <a:schemeClr val="dk1"/>
                 </a:solidFill>
               </a:rPr>
-              <a:t>The message is considered delivered when the "- - - - -Message Delivered - - - - -" string is prompted in the terminal;</a:t>
-            </a:r>
-            <a:endParaRPr sz="1300" dirty="0">
-              <a:solidFill>
-                <a:schemeClr val="dk1"/>
-              </a:solidFill>
-            </a:endParaRPr>
-          </a:p>
-          <a:p>
-            <a:pPr marL="285750" indent="-285750">
-              <a:buClrTx/>
-              <a:buSzPct val="85000"/>
-            </a:pPr>
+              <a:t> </a:t>
+            </a:r>
+            <a:r>
+              <a:rPr lang="it" sz="1300" dirty="0" err="1">
+                <a:solidFill>
+                  <a:schemeClr val="dk1"/>
+                </a:solidFill>
+              </a:rPr>
+              <a:t>reasons</a:t>
+            </a:r>
             <a:r>
               <a:rPr lang="it" sz="1300" dirty="0">
                 <a:solidFill>
                   <a:schemeClr val="dk1"/>
                 </a:solidFill>
               </a:rPr>
-              <a:t>All the algorithms use SHA256 cryptographic hash function;</a:t>
-            </a:r>
-            <a:endParaRPr sz="1300" dirty="0">
-              <a:solidFill>
-                <a:schemeClr val="dk1"/>
-              </a:solidFill>
-            </a:endParaRPr>
-          </a:p>
-          <a:p>
-            <a:pPr marL="171450" indent="-171450">
-              <a:buClr>
-                <a:schemeClr val="dk1"/>
-              </a:buClr>
-              <a:buSzPts val="1100"/>
-            </a:pPr>
-            <a:r>
-              <a:rPr lang="it" sz="1300" dirty="0">
-                <a:solidFill>
-                  <a:schemeClr val="dk1"/>
-                </a:solidFill>
-              </a:rPr>
-              <a:t>Authenticated Messages code algorithm uses the ‘RSA’ API interface in order to make the digital signatures;</a:t>
-            </a:r>
-            <a:endParaRPr sz="1300" dirty="0">
-              <a:solidFill>
-                <a:schemeClr val="dk1"/>
-              </a:solidFill>
-            </a:endParaRPr>
-          </a:p>
-          <a:p>
-            <a:pPr marL="171450" indent="-171450">
-              <a:buClr>
-                <a:schemeClr val="dk1"/>
-              </a:buClr>
-              <a:buSzPts val="1100"/>
-            </a:pPr>
-            <a:r>
-              <a:rPr lang="it" sz="1300" dirty="0">
-                <a:solidFill>
-                  <a:schemeClr val="dk1"/>
-                </a:solidFill>
-              </a:rPr>
-              <a:t>Erasure Code algorithm uses the ‘pyeclib’ API interface in order to derive the shares;</a:t>
-            </a:r>
-            <a:endParaRPr sz="1300" dirty="0">
-              <a:solidFill>
-                <a:schemeClr val="dk1"/>
-              </a:solidFill>
-            </a:endParaRPr>
-          </a:p>
-          <a:p>
-            <a:pPr marL="171450" indent="-171450">
-              <a:buClr>
-                <a:schemeClr val="dk1"/>
-              </a:buClr>
-              <a:buSzPts val="1100"/>
-            </a:pPr>
-            <a:r>
-              <a:rPr lang="it" sz="1300" dirty="0">
-                <a:solidFill>
-                  <a:schemeClr val="dk1"/>
-                </a:solidFill>
-              </a:rPr>
-              <a:t>A faulty process is a process that discards every message that it receives after the time it fails;</a:t>
-            </a:r>
-            <a:endParaRPr sz="1300" dirty="0">
-              <a:solidFill>
-                <a:schemeClr val="dk1"/>
-              </a:solidFill>
-            </a:endParaRPr>
-          </a:p>
-          <a:p>
-            <a:pPr marL="171450" indent="-171450">
-              <a:buClr>
-                <a:schemeClr val="dk1"/>
-              </a:buClr>
-              <a:buSzPts val="1100"/>
-            </a:pPr>
-            <a:r>
-              <a:rPr lang="it" sz="1300" dirty="0">
-                <a:solidFill>
-                  <a:schemeClr val="dk1"/>
-                </a:solidFill>
-              </a:rPr>
-              <a:t>Erasure Code algorithm considers the "source" field of a message instead of the "from" message field for finality and soundness reasons;</a:t>
-            </a:r>
-            <a:endParaRPr sz="1300" dirty="0">
-              <a:solidFill>
-                <a:schemeClr val="dk1"/>
-              </a:solidFill>
-            </a:endParaRPr>
-          </a:p>
-          <a:p>
-            <a:pPr marL="171450" indent="-171450">
-              <a:buClr>
-                <a:schemeClr val="dk1"/>
-              </a:buClr>
-              <a:buSzPts val="1100"/>
-            </a:pPr>
-            <a:r>
-              <a:rPr lang="it" sz="1300" dirty="0">
-                <a:solidFill>
-                  <a:schemeClr val="dk1"/>
-                </a:solidFill>
-              </a:rPr>
-              <a:t>Byzantine processes are modeled with specific python modules.</a:t>
+              <a:t>;</a:t>
             </a:r>
             <a:endParaRPr sz="1300" dirty="0">
               <a:solidFill>
@@ -11267,24 +11630,15 @@
                                   </p:childTnLst>
                                 </p:cTn>
                               </p:par>
-                            </p:childTnLst>
-                          </p:cTn>
-                        </p:par>
-                        <p:par>
-                          <p:cTn id="10" fill="hold">
-                            <p:stCondLst>
-                              <p:cond delay="500"/>
-                            </p:stCondLst>
-                            <p:childTnLst>
                               <p:par>
-                                <p:cTn id="11" presetID="22" presetClass="entr" presetSubtype="1" fill="hold" nodeType="afterEffect">
+                                <p:cTn id="10" presetID="22" presetClass="entr" presetSubtype="1" fill="hold" nodeType="withEffect">
                                   <p:stCondLst>
-                                    <p:cond delay="0"/>
+                                    <p:cond delay="250"/>
                                   </p:stCondLst>
                                   <p:childTnLst>
                                     <p:set>
                                       <p:cBhvr>
-                                        <p:cTn id="12" dur="1" fill="hold">
+                                        <p:cTn id="11" dur="1" fill="hold">
                                           <p:stCondLst>
                                             <p:cond delay="0"/>
                                           </p:stCondLst>
@@ -11292,7 +11646,7 @@
                                         <p:tgtEl>
                                           <p:spTgt spid="68">
                                             <p:txEl>
-                                              <p:pRg st="0" end="0"/>
+                                              <p:pRg st="1" end="1"/>
                                             </p:txEl>
                                           </p:spTgt>
                                         </p:tgtEl>
@@ -11306,11 +11660,11 @@
                                     </p:set>
                                     <p:animEffect transition="in" filter="wipe(up)">
                                       <p:cBhvr>
-                                        <p:cTn id="13" dur="500"/>
+                                        <p:cTn id="12" dur="500"/>
                                         <p:tgtEl>
                                           <p:spTgt spid="68">
                                             <p:txEl>
-                                              <p:pRg st="0" end="0"/>
+                                              <p:pRg st="1" end="1"/>
                                             </p:txEl>
                                           </p:spTgt>
                                         </p:tgtEl>
@@ -11320,14 +11674,14 @@
                                 </p:cTn>
                               </p:par>
                               <p:par>
-                                <p:cTn id="14" presetID="22" presetClass="entr" presetSubtype="1" fill="hold" nodeType="withEffect">
+                                <p:cTn id="13" presetID="22" presetClass="entr" presetSubtype="1" fill="hold" nodeType="withEffect">
                                   <p:stCondLst>
                                     <p:cond delay="250"/>
                                   </p:stCondLst>
                                   <p:childTnLst>
                                     <p:set>
                                       <p:cBhvr>
-                                        <p:cTn id="15" dur="1" fill="hold">
+                                        <p:cTn id="14" dur="1" fill="hold">
                                           <p:stCondLst>
                                             <p:cond delay="0"/>
                                           </p:stCondLst>
@@ -11335,7 +11689,7 @@
                                         <p:tgtEl>
                                           <p:spTgt spid="68">
                                             <p:txEl>
-                                              <p:pRg st="1" end="1"/>
+                                              <p:pRg st="2" end="2"/>
                                             </p:txEl>
                                           </p:spTgt>
                                         </p:tgtEl>
@@ -11349,11 +11703,11 @@
                                     </p:set>
                                     <p:animEffect transition="in" filter="wipe(up)">
                                       <p:cBhvr>
-                                        <p:cTn id="16" dur="500"/>
+                                        <p:cTn id="15" dur="500"/>
                                         <p:tgtEl>
                                           <p:spTgt spid="68">
                                             <p:txEl>
-                                              <p:pRg st="1" end="1"/>
+                                              <p:pRg st="2" end="2"/>
                                             </p:txEl>
                                           </p:spTgt>
                                         </p:tgtEl>
@@ -11363,14 +11717,14 @@
                                 </p:cTn>
                               </p:par>
                               <p:par>
-                                <p:cTn id="17" presetID="22" presetClass="entr" presetSubtype="1" fill="hold" nodeType="withEffect">
+                                <p:cTn id="16" presetID="22" presetClass="entr" presetSubtype="1" fill="hold" nodeType="withEffect">
                                   <p:stCondLst>
                                     <p:cond delay="500"/>
                                   </p:stCondLst>
                                   <p:childTnLst>
                                     <p:set>
                                       <p:cBhvr>
-                                        <p:cTn id="18" dur="1" fill="hold">
+                                        <p:cTn id="17" dur="1" fill="hold">
                                           <p:stCondLst>
                                             <p:cond delay="0"/>
                                           </p:stCondLst>
@@ -11378,7 +11732,7 @@
                                         <p:tgtEl>
                                           <p:spTgt spid="68">
                                             <p:txEl>
-                                              <p:pRg st="2" end="2"/>
+                                              <p:pRg st="3" end="3"/>
                                             </p:txEl>
                                           </p:spTgt>
                                         </p:tgtEl>
@@ -11392,11 +11746,11 @@
                                     </p:set>
                                     <p:animEffect transition="in" filter="wipe(up)">
                                       <p:cBhvr>
-                                        <p:cTn id="19" dur="500"/>
+                                        <p:cTn id="18" dur="500"/>
                                         <p:tgtEl>
                                           <p:spTgt spid="68">
                                             <p:txEl>
-                                              <p:pRg st="2" end="2"/>
+                                              <p:pRg st="3" end="3"/>
                                             </p:txEl>
                                           </p:spTgt>
                                         </p:tgtEl>
@@ -11406,14 +11760,14 @@
                                 </p:cTn>
                               </p:par>
                               <p:par>
-                                <p:cTn id="20" presetID="22" presetClass="entr" presetSubtype="1" fill="hold" nodeType="withEffect">
+                                <p:cTn id="19" presetID="22" presetClass="entr" presetSubtype="1" fill="hold" nodeType="withEffect">
                                   <p:stCondLst>
                                     <p:cond delay="750"/>
                                   </p:stCondLst>
                                   <p:childTnLst>
                                     <p:set>
                                       <p:cBhvr>
-                                        <p:cTn id="21" dur="1" fill="hold">
+                                        <p:cTn id="20" dur="1" fill="hold">
                                           <p:stCondLst>
                                             <p:cond delay="0"/>
                                           </p:stCondLst>
@@ -11421,7 +11775,7 @@
                                         <p:tgtEl>
                                           <p:spTgt spid="68">
                                             <p:txEl>
-                                              <p:pRg st="3" end="3"/>
+                                              <p:pRg st="4" end="4"/>
                                             </p:txEl>
                                           </p:spTgt>
                                         </p:tgtEl>
@@ -11435,11 +11789,11 @@
                                     </p:set>
                                     <p:animEffect transition="in" filter="wipe(up)">
                                       <p:cBhvr>
-                                        <p:cTn id="22" dur="500"/>
+                                        <p:cTn id="21" dur="500"/>
                                         <p:tgtEl>
                                           <p:spTgt spid="68">
                                             <p:txEl>
-                                              <p:pRg st="3" end="3"/>
+                                              <p:pRg st="4" end="4"/>
                                             </p:txEl>
                                           </p:spTgt>
                                         </p:tgtEl>
@@ -11449,14 +11803,14 @@
                                 </p:cTn>
                               </p:par>
                               <p:par>
-                                <p:cTn id="23" presetID="22" presetClass="entr" presetSubtype="1" fill="hold" nodeType="withEffect">
+                                <p:cTn id="22" presetID="22" presetClass="entr" presetSubtype="1" fill="hold" nodeType="withEffect">
                                   <p:stCondLst>
-                                    <p:cond delay="1000"/>
+                                    <p:cond delay="1250"/>
                                   </p:stCondLst>
                                   <p:childTnLst>
                                     <p:set>
                                       <p:cBhvr>
-                                        <p:cTn id="24" dur="1" fill="hold">
+                                        <p:cTn id="23" dur="1" fill="hold">
                                           <p:stCondLst>
                                             <p:cond delay="0"/>
                                           </p:stCondLst>
@@ -11464,7 +11818,7 @@
                                         <p:tgtEl>
                                           <p:spTgt spid="68">
                                             <p:txEl>
-                                              <p:pRg st="4" end="4"/>
+                                              <p:pRg st="5" end="5"/>
                                             </p:txEl>
                                           </p:spTgt>
                                         </p:tgtEl>
@@ -11478,11 +11832,11 @@
                                     </p:set>
                                     <p:animEffect transition="in" filter="wipe(up)">
                                       <p:cBhvr>
-                                        <p:cTn id="25" dur="500"/>
+                                        <p:cTn id="24" dur="500"/>
                                         <p:tgtEl>
                                           <p:spTgt spid="68">
                                             <p:txEl>
-                                              <p:pRg st="4" end="4"/>
+                                              <p:pRg st="5" end="5"/>
                                             </p:txEl>
                                           </p:spTgt>
                                         </p:tgtEl>
@@ -11492,14 +11846,14 @@
                                 </p:cTn>
                               </p:par>
                               <p:par>
-                                <p:cTn id="26" presetID="22" presetClass="entr" presetSubtype="1" fill="hold" nodeType="withEffect">
+                                <p:cTn id="25" presetID="22" presetClass="entr" presetSubtype="1" fill="hold" nodeType="withEffect">
                                   <p:stCondLst>
-                                    <p:cond delay="1250"/>
+                                    <p:cond delay="1500"/>
                                   </p:stCondLst>
                                   <p:childTnLst>
                                     <p:set>
                                       <p:cBhvr>
-                                        <p:cTn id="27" dur="1" fill="hold">
+                                        <p:cTn id="26" dur="1" fill="hold">
                                           <p:stCondLst>
                                             <p:cond delay="0"/>
                                           </p:stCondLst>
@@ -11507,7 +11861,7 @@
                                         <p:tgtEl>
                                           <p:spTgt spid="68">
                                             <p:txEl>
-                                              <p:pRg st="5" end="5"/>
+                                              <p:pRg st="6" end="6"/>
                                             </p:txEl>
                                           </p:spTgt>
                                         </p:tgtEl>
@@ -11521,11 +11875,11 @@
                                     </p:set>
                                     <p:animEffect transition="in" filter="wipe(up)">
                                       <p:cBhvr>
-                                        <p:cTn id="28" dur="500"/>
+                                        <p:cTn id="27" dur="500"/>
                                         <p:tgtEl>
                                           <p:spTgt spid="68">
                                             <p:txEl>
-                                              <p:pRg st="5" end="5"/>
+                                              <p:pRg st="6" end="6"/>
                                             </p:txEl>
                                           </p:spTgt>
                                         </p:tgtEl>
@@ -11535,14 +11889,14 @@
                                 </p:cTn>
                               </p:par>
                               <p:par>
-                                <p:cTn id="29" presetID="22" presetClass="entr" presetSubtype="1" fill="hold" nodeType="withEffect">
+                                <p:cTn id="28" presetID="22" presetClass="entr" presetSubtype="1" fill="hold" nodeType="withEffect">
                                   <p:stCondLst>
-                                    <p:cond delay="1500"/>
+                                    <p:cond delay="2500"/>
                                   </p:stCondLst>
                                   <p:childTnLst>
                                     <p:set>
                                       <p:cBhvr>
-                                        <p:cTn id="30" dur="1" fill="hold">
+                                        <p:cTn id="29" dur="1" fill="hold">
                                           <p:stCondLst>
                                             <p:cond delay="0"/>
                                           </p:stCondLst>
@@ -11550,7 +11904,7 @@
                                         <p:tgtEl>
                                           <p:spTgt spid="68">
                                             <p:txEl>
-                                              <p:pRg st="6" end="6"/>
+                                              <p:pRg st="7" end="7"/>
                                             </p:txEl>
                                           </p:spTgt>
                                         </p:tgtEl>
@@ -11564,226 +11918,11 @@
                                     </p:set>
                                     <p:animEffect transition="in" filter="wipe(up)">
                                       <p:cBhvr>
-                                        <p:cTn id="31" dur="500"/>
-                                        <p:tgtEl>
-                                          <p:spTgt spid="68">
-                                            <p:txEl>
-                                              <p:pRg st="6" end="6"/>
-                                            </p:txEl>
-                                          </p:spTgt>
-                                        </p:tgtEl>
-                                      </p:cBhvr>
-                                    </p:animEffect>
-                                  </p:childTnLst>
-                                </p:cTn>
-                              </p:par>
-                              <p:par>
-                                <p:cTn id="32" presetID="22" presetClass="entr" presetSubtype="1" fill="hold" nodeType="withEffect">
-                                  <p:stCondLst>
-                                    <p:cond delay="1750"/>
-                                  </p:stCondLst>
-                                  <p:childTnLst>
-                                    <p:set>
-                                      <p:cBhvr>
-                                        <p:cTn id="33" dur="1" fill="hold">
-                                          <p:stCondLst>
-                                            <p:cond delay="0"/>
-                                          </p:stCondLst>
-                                        </p:cTn>
+                                        <p:cTn id="30" dur="500"/>
                                         <p:tgtEl>
                                           <p:spTgt spid="68">
                                             <p:txEl>
                                               <p:pRg st="7" end="7"/>
-                                            </p:txEl>
-                                          </p:spTgt>
-                                        </p:tgtEl>
-                                        <p:attrNameLst>
-                                          <p:attrName>style.visibility</p:attrName>
-                                        </p:attrNameLst>
-                                      </p:cBhvr>
-                                      <p:to>
-                                        <p:strVal val="visible"/>
-                                      </p:to>
-                                    </p:set>
-                                    <p:animEffect transition="in" filter="wipe(up)">
-                                      <p:cBhvr>
-                                        <p:cTn id="34" dur="500"/>
-                                        <p:tgtEl>
-                                          <p:spTgt spid="68">
-                                            <p:txEl>
-                                              <p:pRg st="7" end="7"/>
-                                            </p:txEl>
-                                          </p:spTgt>
-                                        </p:tgtEl>
-                                      </p:cBhvr>
-                                    </p:animEffect>
-                                  </p:childTnLst>
-                                </p:cTn>
-                              </p:par>
-                              <p:par>
-                                <p:cTn id="35" presetID="22" presetClass="entr" presetSubtype="1" fill="hold" nodeType="withEffect">
-                                  <p:stCondLst>
-                                    <p:cond delay="2000"/>
-                                  </p:stCondLst>
-                                  <p:childTnLst>
-                                    <p:set>
-                                      <p:cBhvr>
-                                        <p:cTn id="36" dur="1" fill="hold">
-                                          <p:stCondLst>
-                                            <p:cond delay="0"/>
-                                          </p:stCondLst>
-                                        </p:cTn>
-                                        <p:tgtEl>
-                                          <p:spTgt spid="68">
-                                            <p:txEl>
-                                              <p:pRg st="8" end="8"/>
-                                            </p:txEl>
-                                          </p:spTgt>
-                                        </p:tgtEl>
-                                        <p:attrNameLst>
-                                          <p:attrName>style.visibility</p:attrName>
-                                        </p:attrNameLst>
-                                      </p:cBhvr>
-                                      <p:to>
-                                        <p:strVal val="visible"/>
-                                      </p:to>
-                                    </p:set>
-                                    <p:animEffect transition="in" filter="wipe(up)">
-                                      <p:cBhvr>
-                                        <p:cTn id="37" dur="500"/>
-                                        <p:tgtEl>
-                                          <p:spTgt spid="68">
-                                            <p:txEl>
-                                              <p:pRg st="8" end="8"/>
-                                            </p:txEl>
-                                          </p:spTgt>
-                                        </p:tgtEl>
-                                      </p:cBhvr>
-                                    </p:animEffect>
-                                  </p:childTnLst>
-                                </p:cTn>
-                              </p:par>
-                              <p:par>
-                                <p:cTn id="38" presetID="22" presetClass="entr" presetSubtype="1" fill="hold" nodeType="withEffect">
-                                  <p:stCondLst>
-                                    <p:cond delay="2250"/>
-                                  </p:stCondLst>
-                                  <p:childTnLst>
-                                    <p:set>
-                                      <p:cBhvr>
-                                        <p:cTn id="39" dur="1" fill="hold">
-                                          <p:stCondLst>
-                                            <p:cond delay="0"/>
-                                          </p:stCondLst>
-                                        </p:cTn>
-                                        <p:tgtEl>
-                                          <p:spTgt spid="68">
-                                            <p:txEl>
-                                              <p:pRg st="9" end="9"/>
-                                            </p:txEl>
-                                          </p:spTgt>
-                                        </p:tgtEl>
-                                        <p:attrNameLst>
-                                          <p:attrName>style.visibility</p:attrName>
-                                        </p:attrNameLst>
-                                      </p:cBhvr>
-                                      <p:to>
-                                        <p:strVal val="visible"/>
-                                      </p:to>
-                                    </p:set>
-                                    <p:animEffect transition="in" filter="wipe(up)">
-                                      <p:cBhvr>
-                                        <p:cTn id="40" dur="500"/>
-                                        <p:tgtEl>
-                                          <p:spTgt spid="68">
-                                            <p:txEl>
-                                              <p:pRg st="9" end="9"/>
-                                            </p:txEl>
-                                          </p:spTgt>
-                                        </p:tgtEl>
-                                      </p:cBhvr>
-                                    </p:animEffect>
-                                  </p:childTnLst>
-                                </p:cTn>
-                              </p:par>
-                              <p:par>
-                                <p:cTn id="41" presetID="22" presetClass="entr" presetSubtype="1" fill="hold" nodeType="withEffect">
-                                  <p:stCondLst>
-                                    <p:cond delay="2500"/>
-                                  </p:stCondLst>
-                                  <p:childTnLst>
-                                    <p:set>
-                                      <p:cBhvr>
-                                        <p:cTn id="42" dur="1" fill="hold">
-                                          <p:stCondLst>
-                                            <p:cond delay="0"/>
-                                          </p:stCondLst>
-                                        </p:cTn>
-                                        <p:tgtEl>
-                                          <p:spTgt spid="68">
-                                            <p:txEl>
-                                              <p:pRg st="10" end="10"/>
-                                            </p:txEl>
-                                          </p:spTgt>
-                                        </p:tgtEl>
-                                        <p:attrNameLst>
-                                          <p:attrName>style.visibility</p:attrName>
-                                        </p:attrNameLst>
-                                      </p:cBhvr>
-                                      <p:to>
-                                        <p:strVal val="visible"/>
-                                      </p:to>
-                                    </p:set>
-                                    <p:animEffect transition="in" filter="wipe(up)">
-                                      <p:cBhvr>
-                                        <p:cTn id="43" dur="500"/>
-                                        <p:tgtEl>
-                                          <p:spTgt spid="68">
-                                            <p:txEl>
-                                              <p:pRg st="10" end="10"/>
-                                            </p:txEl>
-                                          </p:spTgt>
-                                        </p:tgtEl>
-                                      </p:cBhvr>
-                                    </p:animEffect>
-                                  </p:childTnLst>
-                                </p:cTn>
-                              </p:par>
-                              <p:par>
-                                <p:cTn id="44" presetID="22" presetClass="entr" presetSubtype="1" fill="hold" nodeType="withEffect">
-                                  <p:stCondLst>
-                                    <p:cond delay="2750"/>
-                                  </p:stCondLst>
-                                  <p:childTnLst>
-                                    <p:set>
-                                      <p:cBhvr>
-                                        <p:cTn id="45" dur="1" fill="hold">
-                                          <p:stCondLst>
-                                            <p:cond delay="0"/>
-                                          </p:stCondLst>
-                                        </p:cTn>
-                                        <p:tgtEl>
-                                          <p:spTgt spid="68">
-                                            <p:txEl>
-                                              <p:pRg st="11" end="11"/>
-                                            </p:txEl>
-                                          </p:spTgt>
-                                        </p:tgtEl>
-                                        <p:attrNameLst>
-                                          <p:attrName>style.visibility</p:attrName>
-                                        </p:attrNameLst>
-                                      </p:cBhvr>
-                                      <p:to>
-                                        <p:strVal val="visible"/>
-                                      </p:to>
-                                    </p:set>
-                                    <p:animEffect transition="in" filter="wipe(up)">
-                                      <p:cBhvr>
-                                        <p:cTn id="46" dur="500"/>
-                                        <p:tgtEl>
-                                          <p:spTgt spid="68">
-                                            <p:txEl>
-                                              <p:pRg st="11" end="11"/>
                                             </p:txEl>
                                           </p:spTgt>
                                         </p:tgtEl>
@@ -11951,7 +12090,7 @@
         <p:spPr>
           <a:xfrm>
             <a:off x="200722" y="1725593"/>
-            <a:ext cx="2235300" cy="2189113"/>
+            <a:ext cx="2235300" cy="1731913"/>
           </a:xfrm>
           <a:prstGeom prst="rect">
             <a:avLst/>
@@ -12073,36 +12212,7 @@
               </a:spcAft>
               <a:buNone/>
             </a:pPr>
-            <a:endParaRPr dirty="0"/>
-          </a:p>
-          <a:p>
-            <a:pPr marL="457200" lvl="0" indent="-317500" algn="l" rtl="0">
-              <a:spcBef>
-                <a:spcPts val="0"/>
-              </a:spcBef>
-              <a:spcAft>
-                <a:spcPts val="0"/>
-              </a:spcAft>
-              <a:buSzPts val="1400"/>
-              <a:buChar char="●"/>
-            </a:pPr>
-            <a:r>
-              <a:rPr lang="it" dirty="0"/>
-              <a:t>Server(s)</a:t>
-            </a:r>
-            <a:endParaRPr dirty="0"/>
-          </a:p>
-          <a:p>
-            <a:pPr marL="0" lvl="0" indent="0" algn="l" rtl="0">
-              <a:spcBef>
-                <a:spcPts val="0"/>
-              </a:spcBef>
-              <a:spcAft>
-                <a:spcPts val="0"/>
-              </a:spcAft>
-              <a:buNone/>
-            </a:pPr>
-            <a:endParaRPr dirty="0"/>
+            <a:endParaRPr lang="it" dirty="0"/>
           </a:p>
         </p:txBody>
       </p:sp>
@@ -12392,49 +12502,6 @@
                                           <p:spTgt spid="75">
                                             <p:txEl>
                                               <p:pRg st="4" end="4"/>
-                                            </p:txEl>
-                                          </p:spTgt>
-                                        </p:tgtEl>
-                                      </p:cBhvr>
-                                    </p:animEffect>
-                                  </p:childTnLst>
-                                </p:cTn>
-                              </p:par>
-                              <p:par>
-                                <p:cTn id="23" presetID="22" presetClass="entr" presetSubtype="1" fill="hold" nodeType="withEffect">
-                                  <p:stCondLst>
-                                    <p:cond delay="750"/>
-                                  </p:stCondLst>
-                                  <p:childTnLst>
-                                    <p:set>
-                                      <p:cBhvr>
-                                        <p:cTn id="24" dur="1" fill="hold">
-                                          <p:stCondLst>
-                                            <p:cond delay="0"/>
-                                          </p:stCondLst>
-                                        </p:cTn>
-                                        <p:tgtEl>
-                                          <p:spTgt spid="75">
-                                            <p:txEl>
-                                              <p:pRg st="7" end="7"/>
-                                            </p:txEl>
-                                          </p:spTgt>
-                                        </p:tgtEl>
-                                        <p:attrNameLst>
-                                          <p:attrName>style.visibility</p:attrName>
-                                        </p:attrNameLst>
-                                      </p:cBhvr>
-                                      <p:to>
-                                        <p:strVal val="visible"/>
-                                      </p:to>
-                                    </p:set>
-                                    <p:animEffect transition="in" filter="wipe(up)">
-                                      <p:cBhvr>
-                                        <p:cTn id="25" dur="500"/>
-                                        <p:tgtEl>
-                                          <p:spTgt spid="75">
-                                            <p:txEl>
-                                              <p:pRg st="7" end="7"/>
                                             </p:txEl>
                                           </p:spTgt>
                                         </p:tgtEl>
@@ -13490,34 +13557,6 @@
             </a:pPr>
             <a:r>
               <a:rPr lang="it" dirty="0"/>
-              <a:t>Server</a:t>
-            </a:r>
-          </a:p>
-          <a:p>
-            <a:pPr marL="139700" lvl="0" algn="l" rtl="0">
-              <a:spcBef>
-                <a:spcPts val="0"/>
-              </a:spcBef>
-              <a:spcAft>
-                <a:spcPts val="0"/>
-              </a:spcAft>
-              <a:buSzPts val="1400"/>
-            </a:pPr>
-            <a:endParaRPr dirty="0"/>
-          </a:p>
-          <a:p>
-            <a:pPr marL="457200" lvl="0" indent="-317500" algn="l" rtl="0">
-              <a:spcBef>
-                <a:spcPts val="0"/>
-              </a:spcBef>
-              <a:spcAft>
-                <a:spcPts val="0"/>
-              </a:spcAft>
-              <a:buSzPts val="1400"/>
-              <a:buChar char="●"/>
-            </a:pPr>
-            <a:r>
-              <a:rPr lang="it" dirty="0"/>
               <a:t>Authenticated link</a:t>
             </a:r>
             <a:endParaRPr dirty="0"/>
@@ -13813,7 +13852,7 @@
                               <p:par>
                                 <p:cTn id="23" presetID="22" presetClass="entr" presetSubtype="1" fill="hold" nodeType="withEffect">
                                   <p:stCondLst>
-                                    <p:cond delay="500"/>
+                                    <p:cond delay="750"/>
                                   </p:stCondLst>
                                   <p:childTnLst>
                                     <p:set>
@@ -13845,49 +13884,6 @@
                                           <p:spTgt spid="90">
                                             <p:txEl>
                                               <p:pRg st="4" end="4"/>
-                                            </p:txEl>
-                                          </p:spTgt>
-                                        </p:tgtEl>
-                                      </p:cBhvr>
-                                    </p:animEffect>
-                                  </p:childTnLst>
-                                </p:cTn>
-                              </p:par>
-                              <p:par>
-                                <p:cTn id="26" presetID="22" presetClass="entr" presetSubtype="1" fill="hold" nodeType="withEffect">
-                                  <p:stCondLst>
-                                    <p:cond delay="750"/>
-                                  </p:stCondLst>
-                                  <p:childTnLst>
-                                    <p:set>
-                                      <p:cBhvr>
-                                        <p:cTn id="27" dur="1" fill="hold">
-                                          <p:stCondLst>
-                                            <p:cond delay="0"/>
-                                          </p:stCondLst>
-                                        </p:cTn>
-                                        <p:tgtEl>
-                                          <p:spTgt spid="90">
-                                            <p:txEl>
-                                              <p:pRg st="6" end="6"/>
-                                            </p:txEl>
-                                          </p:spTgt>
-                                        </p:tgtEl>
-                                        <p:attrNameLst>
-                                          <p:attrName>style.visibility</p:attrName>
-                                        </p:attrNameLst>
-                                      </p:cBhvr>
-                                      <p:to>
-                                        <p:strVal val="visible"/>
-                                      </p:to>
-                                    </p:set>
-                                    <p:animEffect transition="in" filter="wipe(up)">
-                                      <p:cBhvr>
-                                        <p:cTn id="28" dur="500"/>
-                                        <p:tgtEl>
-                                          <p:spTgt spid="90">
-                                            <p:txEl>
-                                              <p:pRg st="6" end="6"/>
                                             </p:txEl>
                                           </p:spTgt>
                                         </p:tgtEl>
@@ -15026,22 +15022,6 @@
             <a:r>
               <a:rPr lang="en-US" dirty="0"/>
               <a:t>BRB Process</a:t>
-            </a:r>
-          </a:p>
-          <a:p>
-            <a:pPr marL="139700" lvl="0">
-              <a:buSzPts val="1400"/>
-            </a:pPr>
-            <a:endParaRPr lang="en-US" dirty="0"/>
-          </a:p>
-          <a:p>
-            <a:pPr marL="457200" lvl="0" indent="-317500">
-              <a:buSzPts val="1400"/>
-              <a:buChar char="●"/>
-            </a:pPr>
-            <a:r>
-              <a:rPr lang="en-US" dirty="0"/>
-              <a:t>Server</a:t>
             </a:r>
           </a:p>
           <a:p>
@@ -15427,49 +15407,6 @@
                                           <p:spTgt spid="106">
                                             <p:txEl>
                                               <p:pRg st="4" end="4"/>
-                                            </p:txEl>
-                                          </p:spTgt>
-                                        </p:tgtEl>
-                                      </p:cBhvr>
-                                    </p:animEffect>
-                                  </p:childTnLst>
-                                </p:cTn>
-                              </p:par>
-                              <p:par>
-                                <p:cTn id="26" presetID="22" presetClass="entr" presetSubtype="1" fill="hold" nodeType="withEffect">
-                                  <p:stCondLst>
-                                    <p:cond delay="0"/>
-                                  </p:stCondLst>
-                                  <p:childTnLst>
-                                    <p:set>
-                                      <p:cBhvr>
-                                        <p:cTn id="27" dur="1" fill="hold">
-                                          <p:stCondLst>
-                                            <p:cond delay="0"/>
-                                          </p:stCondLst>
-                                        </p:cTn>
-                                        <p:tgtEl>
-                                          <p:spTgt spid="106">
-                                            <p:txEl>
-                                              <p:pRg st="6" end="6"/>
-                                            </p:txEl>
-                                          </p:spTgt>
-                                        </p:tgtEl>
-                                        <p:attrNameLst>
-                                          <p:attrName>style.visibility</p:attrName>
-                                        </p:attrNameLst>
-                                      </p:cBhvr>
-                                      <p:to>
-                                        <p:strVal val="visible"/>
-                                      </p:to>
-                                    </p:set>
-                                    <p:animEffect transition="in" filter="wipe(up)">
-                                      <p:cBhvr>
-                                        <p:cTn id="28" dur="500"/>
-                                        <p:tgtEl>
-                                          <p:spTgt spid="106">
-                                            <p:txEl>
-                                              <p:pRg st="6" end="6"/>
                                             </p:txEl>
                                           </p:spTgt>
                                         </p:tgtEl>
